--- a/Scripts/eBird_Nestwatch/AOS/arr_dis_sp_lat.pptx
+++ b/Scripts/eBird_Nestwatch/AOS/arr_dis_sp_lat.pptx
@@ -110,6 +110,11 @@
     <p:ext uri="{EFAFB233-063F-42B5-8137-9DF3F51BA10A}">
       <p15:sldGuideLst xmlns:p15="http://schemas.microsoft.com/office/powerpoint/2012/main">
         <p15:guide id="1" pos="840" userDrawn="1">
+          <p15:clr>
+            <a:srgbClr val="A4A3A4"/>
+          </p15:clr>
+        </p15:guide>
+        <p15:guide id="2" orient="horz" pos="2160">
           <p15:clr>
             <a:srgbClr val="A4A3A4"/>
           </p15:clr>
@@ -3888,7 +3893,7 @@
               </a:r>
               <a:r>
                 <a:rPr lang="en-US" dirty="0"/>
-                <a:t> et al. 2013 (Ecology). Not available for all species. When data are available, line 4 is a likelihood (estimates \mu_{MD} and \sigma_{MD}), when data are not available, it is a prior (i.e., estimated when missing)</a:t>
+                <a:t> et al. 2013 (Ecology). Not available for all species. When data are available, line 4 is a likelihood (estimates \mu_{MD} and \sigma_{MD}), when data are not available, it is a prior (i.e., MD is estimated when missing)</a:t>
               </a:r>
             </a:p>
           </p:txBody>
